--- a/Slides/pptx/ch5_inheritance.pptx
+++ b/Slides/pptx/ch5_inheritance.pptx
@@ -220,7 +220,7 @@
           <a:p>
             <a:fld id="{DA9EF514-E561-48BE-892A-B94EC4166CD1}" type="datetimeFigureOut">
               <a:rPr lang="en-US" smtClean="0"/>
-              <a:t>4/4/2025</a:t>
+              <a:t>4/7/2025</a:t>
             </a:fld>
             <a:endParaRPr lang="en-US"/>
           </a:p>
@@ -732,7 +732,7 @@
           <a:p>
             <a:fld id="{D35DA228-D07F-4D17-8543-521BB6606FC0}" type="datetime1">
               <a:rPr lang="en-US" smtClean="0"/>
-              <a:t>4/4/2025</a:t>
+              <a:t>4/7/2025</a:t>
             </a:fld>
             <a:endParaRPr lang="en-US" dirty="0"/>
           </a:p>
@@ -1017,7 +1017,7 @@
           <a:p>
             <a:fld id="{FC01B9CA-0284-474D-B5DC-06954C213D34}" type="datetime1">
               <a:rPr lang="en-US" smtClean="0"/>
-              <a:t>4/4/2025</a:t>
+              <a:t>4/7/2025</a:t>
             </a:fld>
             <a:endParaRPr lang="en-US" dirty="0"/>
           </a:p>
@@ -1275,7 +1275,7 @@
           <a:p>
             <a:fld id="{BA48FE24-CD4C-4A94-B56A-996C76D23886}" type="datetime1">
               <a:rPr lang="en-US" smtClean="0"/>
-              <a:t>4/4/2025</a:t>
+              <a:t>4/7/2025</a:t>
             </a:fld>
             <a:endParaRPr lang="en-US" dirty="0"/>
           </a:p>
@@ -1538,7 +1538,7 @@
           <a:p>
             <a:fld id="{7328577B-D120-4612-80DB-C96D7C3850E3}" type="datetime1">
               <a:rPr lang="en-US" smtClean="0"/>
-              <a:t>4/4/2025</a:t>
+              <a:t>4/7/2025</a:t>
             </a:fld>
             <a:endParaRPr lang="en-US" dirty="0"/>
           </a:p>
@@ -1868,7 +1868,7 @@
           <a:p>
             <a:fld id="{D2CA618D-C492-4079-A55D-18A4A55A76E3}" type="datetime1">
               <a:rPr lang="en-US" smtClean="0"/>
-              <a:t>4/4/2025</a:t>
+              <a:t>4/7/2025</a:t>
             </a:fld>
             <a:endParaRPr lang="en-US" dirty="0"/>
           </a:p>
@@ -2193,7 +2193,7 @@
           <a:p>
             <a:fld id="{62391E2A-5721-487C-B2B9-988686FCAB0B}" type="datetime1">
               <a:rPr lang="en-US" smtClean="0"/>
-              <a:t>4/4/2025</a:t>
+              <a:t>4/7/2025</a:t>
             </a:fld>
             <a:endParaRPr lang="en-US" dirty="0"/>
           </a:p>
@@ -2638,7 +2638,7 @@
           <a:p>
             <a:fld id="{ACD27FF0-ABDA-474C-9F19-C37CC50F8B09}" type="datetime1">
               <a:rPr lang="en-US" smtClean="0"/>
-              <a:t>4/4/2025</a:t>
+              <a:t>4/7/2025</a:t>
             </a:fld>
             <a:endParaRPr lang="en-US" dirty="0"/>
           </a:p>
@@ -2823,7 +2823,7 @@
           <a:p>
             <a:fld id="{D249243A-363C-431E-8213-3E73DEF8C7D8}" type="datetime1">
               <a:rPr lang="en-US" smtClean="0"/>
-              <a:t>4/4/2025</a:t>
+              <a:t>4/7/2025</a:t>
             </a:fld>
             <a:endParaRPr lang="en-US" dirty="0"/>
           </a:p>
@@ -2941,7 +2941,7 @@
           <a:p>
             <a:fld id="{E919D895-2F6A-43C2-87AA-0DD62F6C3F21}" type="datetime1">
               <a:rPr lang="en-US" smtClean="0"/>
-              <a:t>4/4/2025</a:t>
+              <a:t>4/7/2025</a:t>
             </a:fld>
             <a:endParaRPr lang="en-US" dirty="0"/>
           </a:p>
@@ -3342,7 +3342,7 @@
           <a:p>
             <a:fld id="{C48D1390-66C0-47D7-9D47-455F43D650BC}" type="datetime1">
               <a:rPr lang="en-US" smtClean="0"/>
-              <a:t>4/4/2025</a:t>
+              <a:t>4/7/2025</a:t>
             </a:fld>
             <a:endParaRPr lang="en-US" dirty="0"/>
           </a:p>
@@ -3654,7 +3654,7 @@
           <a:p>
             <a:fld id="{6D809956-52F5-40E1-8194-36E8130450FF}" type="datetime1">
               <a:rPr lang="en-US" smtClean="0"/>
-              <a:t>4/4/2025</a:t>
+              <a:t>4/7/2025</a:t>
             </a:fld>
             <a:endParaRPr lang="en-US" dirty="0"/>
           </a:p>
@@ -3888,7 +3888,7 @@
           <a:p>
             <a:fld id="{EB4553DE-63ED-493D-A19E-033EDF2AF312}" type="datetime1">
               <a:rPr lang="en-US" smtClean="0"/>
-              <a:t>4/4/2025</a:t>
+              <a:t>4/7/2025</a:t>
             </a:fld>
             <a:endParaRPr lang="en-US" dirty="0"/>
           </a:p>
@@ -11879,16 +11879,16 @@
                 <a:effectLst/>
                 <a:latin typeface="Arial" panose="020B0604020202020204" pitchFamily="34" charset="0"/>
               </a:rPr>
-              <a:t>Which statement is </a:t>
-            </a:r>
-            <a:r>
-              <a:rPr lang="en-US" altLang="en-US" sz="2000" b="1" dirty="0">
+              <a:t>Which statement </a:t>
+            </a:r>
+            <a:r>
+              <a:rPr lang="en-US" altLang="en-US" sz="2000" dirty="0">
                 <a:solidFill>
                   <a:schemeClr val="tx1"/>
                 </a:solidFill>
                 <a:latin typeface="Arial" panose="020B0604020202020204" pitchFamily="34" charset="0"/>
               </a:rPr>
-              <a:t>false</a:t>
+              <a:t>are true</a:t>
             </a:r>
             <a:r>
               <a:rPr kumimoji="0" lang="en-US" altLang="en-US" sz="2000" b="0" i="0" u="none" strike="noStrike" cap="none" normalizeH="0" baseline="0" dirty="0">
@@ -13399,7 +13399,7 @@
                   <a:noFill/>
                 </a:ln>
                 <a:solidFill>
-                  <a:schemeClr val="tx1"/>
+                  <a:srgbClr val="00B050"/>
                 </a:solidFill>
                 <a:effectLst/>
                 <a:latin typeface="Arial" panose="020B0604020202020204" pitchFamily="34" charset="0"/>
@@ -13430,7 +13430,7 @@
                   <a:noFill/>
                 </a:ln>
                 <a:solidFill>
-                  <a:schemeClr val="tx1"/>
+                  <a:srgbClr val="00B050"/>
                 </a:solidFill>
                 <a:effectLst/>
                 <a:latin typeface="Arial" panose="020B0604020202020204" pitchFamily="34" charset="0"/>
@@ -13442,7 +13442,7 @@
                   <a:noFill/>
                 </a:ln>
                 <a:solidFill>
-                  <a:schemeClr val="tx1"/>
+                  <a:srgbClr val="00B050"/>
                 </a:solidFill>
                 <a:effectLst/>
                 <a:latin typeface="Arial" panose="020B0604020202020204" pitchFamily="34" charset="0"/>
@@ -13455,7 +13455,7 @@
                   <a:noFill/>
                 </a:ln>
                 <a:solidFill>
-                  <a:schemeClr val="tx1"/>
+                  <a:srgbClr val="00B050"/>
                 </a:solidFill>
                 <a:effectLst/>
                 <a:latin typeface="Arial Unicode MS"/>
@@ -13468,7 +13468,7 @@
                   <a:noFill/>
                 </a:ln>
                 <a:solidFill>
-                  <a:schemeClr val="tx1"/>
+                  <a:srgbClr val="00B050"/>
                 </a:solidFill>
                 <a:effectLst/>
               </a:rPr>
@@ -13480,7 +13480,7 @@
                   <a:noFill/>
                 </a:ln>
                 <a:solidFill>
-                  <a:schemeClr val="tx1"/>
+                  <a:srgbClr val="00B050"/>
                 </a:solidFill>
                 <a:effectLst/>
                 <a:latin typeface="Arial Unicode MS"/>
@@ -13493,7 +13493,7 @@
                   <a:noFill/>
                 </a:ln>
                 <a:solidFill>
-                  <a:schemeClr val="tx1"/>
+                  <a:srgbClr val="00B050"/>
                 </a:solidFill>
                 <a:effectLst/>
               </a:rPr>
@@ -13523,7 +13523,7 @@
                   <a:noFill/>
                 </a:ln>
                 <a:solidFill>
-                  <a:schemeClr val="tx1"/>
+                  <a:srgbClr val="00B050"/>
                 </a:solidFill>
                 <a:effectLst/>
               </a:rPr>
@@ -13534,7 +13534,7 @@
                   <a:noFill/>
                 </a:ln>
                 <a:solidFill>
-                  <a:srgbClr val="FF0000"/>
+                  <a:srgbClr val="00B050"/>
                 </a:solidFill>
                 <a:effectLst/>
               </a:rPr>
@@ -13546,7 +13546,7 @@
                   <a:noFill/>
                 </a:ln>
                 <a:solidFill>
-                  <a:srgbClr val="FF0000"/>
+                  <a:srgbClr val="00B050"/>
                 </a:solidFill>
                 <a:effectLst/>
                 <a:latin typeface="Arial Unicode MS"/>
@@ -13559,7 +13559,7 @@
                   <a:noFill/>
                 </a:ln>
                 <a:solidFill>
-                  <a:srgbClr val="FF0000"/>
+                  <a:srgbClr val="00B050"/>
                 </a:solidFill>
                 <a:effectLst/>
               </a:rPr>
@@ -13571,7 +13571,7 @@
                   <a:noFill/>
                 </a:ln>
                 <a:solidFill>
-                  <a:srgbClr val="FF0000"/>
+                  <a:srgbClr val="00B050"/>
                 </a:solidFill>
                 <a:effectLst/>
                 <a:latin typeface="Arial Unicode MS"/>
@@ -13584,7 +13584,7 @@
                   <a:noFill/>
                 </a:ln>
                 <a:solidFill>
-                  <a:srgbClr val="FF0000"/>
+                  <a:srgbClr val="00B050"/>
                 </a:solidFill>
                 <a:effectLst/>
                 <a:latin typeface="Arial Unicode MS"/>
@@ -13597,7 +13597,7 @@
                   <a:noFill/>
                 </a:ln>
                 <a:solidFill>
-                  <a:srgbClr val="FF0000"/>
+                  <a:srgbClr val="00B050"/>
                 </a:solidFill>
                 <a:effectLst/>
               </a:rPr>
@@ -13609,7 +13609,7 @@
                   <a:noFill/>
                 </a:ln>
                 <a:solidFill>
-                  <a:srgbClr val="FF0000"/>
+                  <a:srgbClr val="00B050"/>
                 </a:solidFill>
                 <a:effectLst/>
                 <a:latin typeface="Arial Unicode MS"/>
@@ -13622,7 +13622,7 @@
                   <a:noFill/>
                 </a:ln>
                 <a:solidFill>
-                  <a:srgbClr val="FF0000"/>
+                  <a:srgbClr val="00B050"/>
                 </a:solidFill>
                 <a:effectLst/>
                 <a:latin typeface="Arial Unicode MS"/>
@@ -13635,7 +13635,7 @@
                   <a:noFill/>
                 </a:ln>
                 <a:solidFill>
-                  <a:srgbClr val="FF0000"/>
+                  <a:srgbClr val="00B050"/>
                 </a:solidFill>
                 <a:effectLst/>
               </a:rPr>
@@ -13665,7 +13665,7 @@
                   <a:noFill/>
                 </a:ln>
                 <a:solidFill>
-                  <a:schemeClr val="tx1"/>
+                  <a:srgbClr val="00B050"/>
                 </a:solidFill>
                 <a:effectLst/>
               </a:rPr>
@@ -13676,7 +13676,7 @@
                   <a:noFill/>
                 </a:ln>
                 <a:solidFill>
-                  <a:schemeClr val="tx1"/>
+                  <a:srgbClr val="00B050"/>
                 </a:solidFill>
                 <a:effectLst/>
               </a:rPr>
@@ -13687,7 +13687,7 @@
                 <a:noFill/>
               </a:ln>
               <a:solidFill>
-                <a:schemeClr val="tx1"/>
+                <a:srgbClr val="00B050"/>
               </a:solidFill>
               <a:effectLst/>
               <a:latin typeface="Arial" panose="020B0604020202020204" pitchFamily="34" charset="0"/>
